--- a/week 2/week 2 - xss introduction.pptx
+++ b/week 2/week 2 - xss introduction.pptx
@@ -312,7 +312,7 @@
           <a:p>
             <a:fld id="{FA0CBB29-ADC1-6D4F-93FA-DE04A5ADCBB5}" type="datetimeFigureOut">
               <a:rPr lang="en-US" smtClean="0"/>
-              <a:t>4/6/15</a:t>
+              <a:t>4/8/15</a:t>
             </a:fld>
             <a:endParaRPr lang="en-US"/>
           </a:p>
@@ -482,7 +482,7 @@
           <a:p>
             <a:fld id="{FA0CBB29-ADC1-6D4F-93FA-DE04A5ADCBB5}" type="datetimeFigureOut">
               <a:rPr lang="en-US" smtClean="0"/>
-              <a:t>4/6/15</a:t>
+              <a:t>4/8/15</a:t>
             </a:fld>
             <a:endParaRPr lang="en-US"/>
           </a:p>
@@ -662,7 +662,7 @@
           <a:p>
             <a:fld id="{FA0CBB29-ADC1-6D4F-93FA-DE04A5ADCBB5}" type="datetimeFigureOut">
               <a:rPr lang="en-US" smtClean="0"/>
-              <a:t>4/6/15</a:t>
+              <a:t>4/8/15</a:t>
             </a:fld>
             <a:endParaRPr lang="en-US"/>
           </a:p>
@@ -832,7 +832,7 @@
           <a:p>
             <a:fld id="{FA0CBB29-ADC1-6D4F-93FA-DE04A5ADCBB5}" type="datetimeFigureOut">
               <a:rPr lang="en-US" smtClean="0"/>
-              <a:t>4/6/15</a:t>
+              <a:t>4/8/15</a:t>
             </a:fld>
             <a:endParaRPr lang="en-US"/>
           </a:p>
@@ -1078,7 +1078,7 @@
           <a:p>
             <a:fld id="{FA0CBB29-ADC1-6D4F-93FA-DE04A5ADCBB5}" type="datetimeFigureOut">
               <a:rPr lang="en-US" smtClean="0"/>
-              <a:t>4/6/15</a:t>
+              <a:t>4/8/15</a:t>
             </a:fld>
             <a:endParaRPr lang="en-US"/>
           </a:p>
@@ -1366,7 +1366,7 @@
           <a:p>
             <a:fld id="{FA0CBB29-ADC1-6D4F-93FA-DE04A5ADCBB5}" type="datetimeFigureOut">
               <a:rPr lang="en-US" smtClean="0"/>
-              <a:t>4/6/15</a:t>
+              <a:t>4/8/15</a:t>
             </a:fld>
             <a:endParaRPr lang="en-US"/>
           </a:p>
@@ -1788,7 +1788,7 @@
           <a:p>
             <a:fld id="{FA0CBB29-ADC1-6D4F-93FA-DE04A5ADCBB5}" type="datetimeFigureOut">
               <a:rPr lang="en-US" smtClean="0"/>
-              <a:t>4/6/15</a:t>
+              <a:t>4/8/15</a:t>
             </a:fld>
             <a:endParaRPr lang="en-US"/>
           </a:p>
@@ -1906,7 +1906,7 @@
           <a:p>
             <a:fld id="{FA0CBB29-ADC1-6D4F-93FA-DE04A5ADCBB5}" type="datetimeFigureOut">
               <a:rPr lang="en-US" smtClean="0"/>
-              <a:t>4/6/15</a:t>
+              <a:t>4/8/15</a:t>
             </a:fld>
             <a:endParaRPr lang="en-US"/>
           </a:p>
@@ -2001,7 +2001,7 @@
           <a:p>
             <a:fld id="{FA0CBB29-ADC1-6D4F-93FA-DE04A5ADCBB5}" type="datetimeFigureOut">
               <a:rPr lang="en-US" smtClean="0"/>
-              <a:t>4/6/15</a:t>
+              <a:t>4/8/15</a:t>
             </a:fld>
             <a:endParaRPr lang="en-US"/>
           </a:p>
@@ -2278,7 +2278,7 @@
           <a:p>
             <a:fld id="{FA0CBB29-ADC1-6D4F-93FA-DE04A5ADCBB5}" type="datetimeFigureOut">
               <a:rPr lang="en-US" smtClean="0"/>
-              <a:t>4/6/15</a:t>
+              <a:t>4/8/15</a:t>
             </a:fld>
             <a:endParaRPr lang="en-US"/>
           </a:p>
@@ -2531,7 +2531,7 @@
           <a:p>
             <a:fld id="{FA0CBB29-ADC1-6D4F-93FA-DE04A5ADCBB5}" type="datetimeFigureOut">
               <a:rPr lang="en-US" smtClean="0"/>
-              <a:t>4/6/15</a:t>
+              <a:t>4/8/15</a:t>
             </a:fld>
             <a:endParaRPr lang="en-US"/>
           </a:p>
@@ -2744,7 +2744,7 @@
           <a:p>
             <a:fld id="{FA0CBB29-ADC1-6D4F-93FA-DE04A5ADCBB5}" type="datetimeFigureOut">
               <a:rPr lang="en-US" smtClean="0"/>
-              <a:t>4/6/15</a:t>
+              <a:t>4/8/15</a:t>
             </a:fld>
             <a:endParaRPr lang="en-US"/>
           </a:p>
@@ -5747,7 +5747,7 @@
         <p:spPr>
           <a:xfrm>
             <a:off x="457200" y="3384319"/>
-            <a:ext cx="3544560" cy="2462213"/>
+            <a:ext cx="3544560" cy="2693045"/>
           </a:xfrm>
           <a:prstGeom prst="rect">
             <a:avLst/>
@@ -5797,6 +5797,17 @@
               <a:rPr lang="en-US" sz="1500" dirty="0" smtClean="0"/>
               <a:t>ody</a:t>
             </a:r>
+          </a:p>
+          <a:p>
+            <a:pPr marL="742950" lvl="1" indent="-285750">
+              <a:buFont typeface="Lucida Grande"/>
+              <a:buChar char="-"/>
+            </a:pPr>
+            <a:r>
+              <a:rPr lang="en-US" sz="1500" dirty="0" smtClean="0"/>
+              <a:t>“H” through “o” character tokens</a:t>
+            </a:r>
+            <a:endParaRPr lang="en-US" sz="1500" dirty="0" smtClean="0"/>
           </a:p>
           <a:p>
             <a:pPr marL="742950" lvl="1" indent="-285750">
@@ -6523,15 +6534,7 @@
           <a:p>
             <a:r>
               <a:rPr lang="en-US" dirty="0" smtClean="0"/>
-              <a:t>The classic code </a:t>
-            </a:r>
-            <a:r>
-              <a:rPr lang="en-US" dirty="0" smtClean="0"/>
-              <a:t>vs. </a:t>
-            </a:r>
-            <a:r>
-              <a:rPr lang="en-US" dirty="0" smtClean="0"/>
-              <a:t>data problem</a:t>
+              <a:t>The classic code vs. data problem</a:t>
             </a:r>
           </a:p>
           <a:p>
@@ -6721,15 +6724,7 @@
           <a:p>
             <a:r>
               <a:rPr lang="en-US" dirty="0" smtClean="0"/>
-              <a:t>Most sites </a:t>
-            </a:r>
-            <a:r>
-              <a:rPr lang="en-US" dirty="0" smtClean="0"/>
-              <a:t>consume a </a:t>
-            </a:r>
-            <a:r>
-              <a:rPr lang="en-US" dirty="0" smtClean="0"/>
-              <a:t>lot of user input</a:t>
+              <a:t>Most sites consume a lot of user input</a:t>
             </a:r>
           </a:p>
           <a:p>
@@ -6872,26 +6867,14 @@
             <a:pPr lvl="1"/>
             <a:r>
               <a:rPr lang="en-US" dirty="0" smtClean="0"/>
-              <a:t>Stealing </a:t>
-            </a:r>
+              <a:t>Stealing session tokens</a:t>
+            </a:r>
+          </a:p>
+          <a:p>
+            <a:pPr lvl="1"/>
             <a:r>
               <a:rPr lang="en-US" dirty="0" smtClean="0"/>
-              <a:t>session tokens</a:t>
-            </a:r>
-          </a:p>
-          <a:p>
-            <a:pPr lvl="1"/>
-            <a:r>
-              <a:rPr lang="en-US" dirty="0" smtClean="0"/>
-              <a:t>Faking </a:t>
-            </a:r>
-            <a:r>
-              <a:rPr lang="en-US" dirty="0" smtClean="0"/>
-              <a:t>login </a:t>
-            </a:r>
-            <a:r>
-              <a:rPr lang="en-US" dirty="0" smtClean="0"/>
-              <a:t>form</a:t>
+              <a:t>Faking login form</a:t>
             </a:r>
           </a:p>
           <a:p>
@@ -6900,7 +6883,6 @@
               <a:rPr lang="en-US" dirty="0" smtClean="0"/>
               <a:t>Inducing user action</a:t>
             </a:r>
-            <a:endParaRPr lang="en-US" dirty="0" smtClean="0"/>
           </a:p>
           <a:p>
             <a:pPr lvl="1"/>
@@ -6997,13 +6979,8 @@
             <a:pPr lvl="1"/>
             <a:r>
               <a:rPr lang="en-US" dirty="0" smtClean="0"/>
-              <a:t>Use something sufficiently </a:t>
-            </a:r>
-            <a:r>
-              <a:rPr lang="en-US" dirty="0" smtClean="0"/>
-              <a:t>unique (farm animals)</a:t>
-            </a:r>
-            <a:endParaRPr lang="en-US" dirty="0" smtClean="0"/>
+              <a:t>Use something sufficiently unique (farm animals)</a:t>
+            </a:r>
           </a:p>
           <a:p>
             <a:r>
@@ -7026,11 +7003,7 @@
           <a:p>
             <a:r>
               <a:rPr lang="en-US" dirty="0" smtClean="0"/>
-              <a:t>Filter </a:t>
-            </a:r>
-            <a:r>
-              <a:rPr lang="en-US" dirty="0" smtClean="0"/>
-              <a:t>evasion</a:t>
+              <a:t>Filter evasion</a:t>
             </a:r>
             <a:endParaRPr lang="en-US" dirty="0"/>
           </a:p>
@@ -7152,11 +7125,15 @@
             <a:pPr lvl="1"/>
             <a:r>
               <a:rPr lang="en-US" dirty="0" smtClean="0"/>
-              <a:t>‘ becomes %</a:t>
-            </a:r>
-            <a:r>
-              <a:rPr lang="en-US" dirty="0" err="1" smtClean="0"/>
-              <a:t>apos</a:t>
+              <a:t>‘ </a:t>
+            </a:r>
+            <a:r>
+              <a:rPr lang="en-US" smtClean="0"/>
+              <a:t>becomes </a:t>
+            </a:r>
+            <a:r>
+              <a:rPr lang="en-US" smtClean="0"/>
+              <a:t>&amp;apos</a:t>
             </a:r>
             <a:r>
               <a:rPr lang="en-US" dirty="0" smtClean="0"/>
@@ -7167,26 +7144,14 @@
             <a:pPr lvl="1"/>
             <a:r>
               <a:rPr lang="en-US" dirty="0" smtClean="0"/>
-              <a:t>Things look </a:t>
-            </a:r>
+              <a:t>Things look okay in browser</a:t>
+            </a:r>
+          </a:p>
+          <a:p>
+            <a:pPr lvl="1"/>
             <a:r>
               <a:rPr lang="en-US" dirty="0" smtClean="0"/>
-              <a:t>okay in browser</a:t>
-            </a:r>
-          </a:p>
-          <a:p>
-            <a:pPr lvl="1"/>
-            <a:r>
-              <a:rPr lang="en-US" dirty="0" smtClean="0"/>
-              <a:t>This </a:t>
-            </a:r>
-            <a:r>
-              <a:rPr lang="en-US" dirty="0" smtClean="0"/>
-              <a:t>will </a:t>
-            </a:r>
-            <a:r>
-              <a:rPr lang="en-US" dirty="0" smtClean="0"/>
-              <a:t>neutralize the attack</a:t>
+              <a:t>This will neutralize the attack</a:t>
             </a:r>
           </a:p>
           <a:p>
